--- a/7AB84AD48DB7310B232FB0CEA5C2F469.pptx
+++ b/7AB84AD48DB7310B232FB0CEA5C2F469.pptx
@@ -9338,11 +9338,6 @@
               </a:rPr>
               <a:t>Pick Up</a:t>
             </a:r>
-            <a:endParaRPr lang="en-US" altLang="zh-CN" b="1" dirty="0" smtClean="0">
-              <a:solidFill>
-                <a:srgbClr val="065D88"/>
-              </a:solidFill>
-            </a:endParaRPr>
           </a:p>
         </p:txBody>
       </p:sp>
@@ -9376,11 +9371,6 @@
               </a:rPr>
               <a:t>Drop Off</a:t>
             </a:r>
-            <a:endParaRPr lang="en-US" altLang="zh-CN" b="1" dirty="0" smtClean="0">
-              <a:solidFill>
-                <a:srgbClr val="065D88"/>
-              </a:solidFill>
-            </a:endParaRPr>
           </a:p>
         </p:txBody>
       </p:sp>
